--- a/slides/GridLayout.pptx
+++ b/slides/GridLayout.pptx
@@ -20,6 +20,8 @@
     <p:sldId id="271" r:id="rId14"/>
     <p:sldId id="272" r:id="rId15"/>
     <p:sldId id="273" r:id="rId16"/>
+    <p:sldId id="274" r:id="rId17"/>
+    <p:sldId id="275" r:id="rId18"/>
   </p:sldIdLst>
   <p:sldSz cx="12192000" cy="6858000"/>
   <p:notesSz cx="6858000" cy="9144000"/>
@@ -4284,6 +4286,212 @@
     <p:extLst>
       <p:ext uri="{BB962C8B-B14F-4D97-AF65-F5344CB8AC3E}">
         <p14:creationId xmlns:p14="http://schemas.microsoft.com/office/powerpoint/2010/main" val="446899889"/>
+      </p:ext>
+    </p:extLst>
+  </p:cSld>
+  <p:clrMapOvr>
+    <a:masterClrMapping/>
+  </p:clrMapOvr>
+</p:sld>
+</file>
+
+<file path=ppt/slides/slide16.xml><?xml version="1.0" encoding="utf-8"?>
+<p:sld xmlns:a="http://schemas.openxmlformats.org/drawingml/2006/main" xmlns:r="http://schemas.openxmlformats.org/officeDocument/2006/relationships" xmlns:p="http://schemas.openxmlformats.org/presentationml/2006/main">
+  <p:cSld>
+    <p:spTree>
+      <p:nvGrpSpPr>
+        <p:cNvPr id="1" name=""/>
+        <p:cNvGrpSpPr/>
+        <p:nvPr/>
+      </p:nvGrpSpPr>
+      <p:grpSpPr>
+        <a:xfrm>
+          <a:off x="0" y="0"/>
+          <a:ext cx="0" cy="0"/>
+          <a:chOff x="0" y="0"/>
+          <a:chExt cx="0" cy="0"/>
+        </a:xfrm>
+      </p:grpSpPr>
+      <p:sp>
+        <p:nvSpPr>
+          <p:cNvPr id="2" name="Titel 1">
+            <a:extLst>
+              <a:ext uri="{FF2B5EF4-FFF2-40B4-BE49-F238E27FC236}">
+                <a16:creationId xmlns:a16="http://schemas.microsoft.com/office/drawing/2014/main" id="{2881F6CC-6DD6-DDB0-8DB8-2C50D7CE819B}"/>
+              </a:ext>
+            </a:extLst>
+          </p:cNvPr>
+          <p:cNvSpPr>
+            <a:spLocks noGrp="1"/>
+          </p:cNvSpPr>
+          <p:nvPr>
+            <p:ph type="title"/>
+          </p:nvPr>
+        </p:nvSpPr>
+        <p:spPr/>
+        <p:txBody>
+          <a:bodyPr/>
+          <a:lstStyle/>
+          <a:p>
+            <a:r>
+              <a:rPr lang="nl-BE" dirty="0"/>
+              <a:t>Enkele handige hulpmiddelen</a:t>
+            </a:r>
+          </a:p>
+        </p:txBody>
+      </p:sp>
+      <p:sp>
+        <p:nvSpPr>
+          <p:cNvPr id="3" name="Tijdelijke aanduiding voor inhoud 2">
+            <a:extLst>
+              <a:ext uri="{FF2B5EF4-FFF2-40B4-BE49-F238E27FC236}">
+                <a16:creationId xmlns:a16="http://schemas.microsoft.com/office/drawing/2014/main" id="{E039EB11-519C-6479-E5B4-768AF1658114}"/>
+              </a:ext>
+            </a:extLst>
+          </p:cNvPr>
+          <p:cNvSpPr>
+            <a:spLocks noGrp="1"/>
+          </p:cNvSpPr>
+          <p:nvPr>
+            <p:ph idx="1"/>
+          </p:nvPr>
+        </p:nvSpPr>
+        <p:spPr/>
+        <p:txBody>
+          <a:bodyPr/>
+          <a:lstStyle/>
+          <a:p>
+            <a:r>
+              <a:rPr lang="nl-BE" dirty="0"/>
+              <a:t>auto : rij automatisch laten groeien in hoogte</a:t>
+            </a:r>
+          </a:p>
+          <a:p>
+            <a:pPr lvl="1"/>
+            <a:r>
+              <a:rPr lang="nl-BE" dirty="0"/>
+              <a:t>Demo13</a:t>
+            </a:r>
+          </a:p>
+          <a:p>
+            <a:r>
+              <a:rPr lang="nl-BE" dirty="0"/>
+              <a:t>fr Unit (fr = fractional)</a:t>
+            </a:r>
+          </a:p>
+          <a:p>
+            <a:pPr lvl="1"/>
+            <a:r>
+              <a:rPr lang="nl-BE" dirty="0"/>
+              <a:t>Een fractie van de beschikbare ruimte</a:t>
+            </a:r>
+          </a:p>
+          <a:p>
+            <a:pPr lvl="1"/>
+            <a:r>
+              <a:rPr lang="nl-BE" dirty="0"/>
+              <a:t>Demo14</a:t>
+            </a:r>
+          </a:p>
+        </p:txBody>
+      </p:sp>
+    </p:spTree>
+    <p:extLst>
+      <p:ext uri="{BB962C8B-B14F-4D97-AF65-F5344CB8AC3E}">
+        <p14:creationId xmlns:p14="http://schemas.microsoft.com/office/powerpoint/2010/main" val="236696530"/>
+      </p:ext>
+    </p:extLst>
+  </p:cSld>
+  <p:clrMapOvr>
+    <a:masterClrMapping/>
+  </p:clrMapOvr>
+</p:sld>
+</file>
+
+<file path=ppt/slides/slide17.xml><?xml version="1.0" encoding="utf-8"?>
+<p:sld xmlns:a="http://schemas.openxmlformats.org/drawingml/2006/main" xmlns:r="http://schemas.openxmlformats.org/officeDocument/2006/relationships" xmlns:p="http://schemas.openxmlformats.org/presentationml/2006/main">
+  <p:cSld>
+    <p:spTree>
+      <p:nvGrpSpPr>
+        <p:cNvPr id="1" name=""/>
+        <p:cNvGrpSpPr/>
+        <p:nvPr/>
+      </p:nvGrpSpPr>
+      <p:grpSpPr>
+        <a:xfrm>
+          <a:off x="0" y="0"/>
+          <a:ext cx="0" cy="0"/>
+          <a:chOff x="0" y="0"/>
+          <a:chExt cx="0" cy="0"/>
+        </a:xfrm>
+      </p:grpSpPr>
+      <p:sp>
+        <p:nvSpPr>
+          <p:cNvPr id="2" name="Titel 1">
+            <a:extLst>
+              <a:ext uri="{FF2B5EF4-FFF2-40B4-BE49-F238E27FC236}">
+                <a16:creationId xmlns:a16="http://schemas.microsoft.com/office/drawing/2014/main" id="{CA2A333C-6759-1C54-D4A9-E2A4DEE48D4F}"/>
+              </a:ext>
+            </a:extLst>
+          </p:cNvPr>
+          <p:cNvSpPr>
+            <a:spLocks noGrp="1"/>
+          </p:cNvSpPr>
+          <p:nvPr>
+            <p:ph type="title"/>
+          </p:nvPr>
+        </p:nvSpPr>
+        <p:spPr/>
+        <p:txBody>
+          <a:bodyPr/>
+          <a:lstStyle/>
+          <a:p>
+            <a:r>
+              <a:rPr lang="nl-BE" dirty="0"/>
+              <a:t>Some real world examples</a:t>
+            </a:r>
+          </a:p>
+        </p:txBody>
+      </p:sp>
+      <p:sp>
+        <p:nvSpPr>
+          <p:cNvPr id="3" name="Tijdelijke aanduiding voor inhoud 2">
+            <a:extLst>
+              <a:ext uri="{FF2B5EF4-FFF2-40B4-BE49-F238E27FC236}">
+                <a16:creationId xmlns:a16="http://schemas.microsoft.com/office/drawing/2014/main" id="{A8204A75-C0D3-BE8B-1E3D-98CA958A58E3}"/>
+              </a:ext>
+            </a:extLst>
+          </p:cNvPr>
+          <p:cNvSpPr>
+            <a:spLocks noGrp="1"/>
+          </p:cNvSpPr>
+          <p:nvPr>
+            <p:ph idx="1"/>
+          </p:nvPr>
+        </p:nvSpPr>
+        <p:spPr/>
+        <p:txBody>
+          <a:bodyPr/>
+          <a:lstStyle/>
+          <a:p>
+            <a:r>
+              <a:rPr lang="nl-BE" dirty="0"/>
+              <a:t>Website template: demo15</a:t>
+            </a:r>
+          </a:p>
+          <a:p>
+            <a:r>
+              <a:rPr lang="nl-BE"/>
+              <a:t>Image browser: demo16</a:t>
+            </a:r>
+            <a:endParaRPr lang="nl-BE" dirty="0"/>
+          </a:p>
+        </p:txBody>
+      </p:sp>
+    </p:spTree>
+    <p:extLst>
+      <p:ext uri="{BB962C8B-B14F-4D97-AF65-F5344CB8AC3E}">
+        <p14:creationId xmlns:p14="http://schemas.microsoft.com/office/powerpoint/2010/main" val="1116890735"/>
       </p:ext>
     </p:extLst>
   </p:cSld>
